--- a/docs/diagrams/WhiteBlackDiagrams/UndoRedoStartingStackDiagram.pptx
+++ b/docs/diagrams/WhiteBlackDiagrams/UndoRedoStartingStackDiagram.pptx
@@ -3361,8 +3361,8 @@
         </p:nvSpPr>
         <p:spPr>
           <a:xfrm>
-            <a:off x="-132211" y="3761321"/>
-            <a:ext cx="2611836" cy="369332"/>
+            <a:off x="-62383" y="3857232"/>
+            <a:ext cx="2463069" cy="365972"/>
           </a:xfrm>
           <a:prstGeom prst="rect">
             <a:avLst/>
@@ -3407,8 +3407,8 @@
         </p:nvSpPr>
         <p:spPr>
           <a:xfrm>
-            <a:off x="2235698" y="3751674"/>
-            <a:ext cx="2606598" cy="369332"/>
+            <a:off x="2520692" y="3853872"/>
+            <a:ext cx="2458129" cy="369332"/>
           </a:xfrm>
           <a:prstGeom prst="rect">
             <a:avLst/>
@@ -3453,8 +3453,8 @@
         </p:nvSpPr>
         <p:spPr>
           <a:xfrm>
-            <a:off x="5248669" y="2485907"/>
-            <a:ext cx="1862546" cy="1227812"/>
+            <a:off x="5369918" y="2607862"/>
+            <a:ext cx="1756457" cy="1263192"/>
           </a:xfrm>
           <a:prstGeom prst="rightArrow">
             <a:avLst/>
@@ -3488,22 +3488,13 @@
           <a:p>
             <a:pPr algn="ctr"/>
             <a:r>
-              <a:rPr lang="en-SG" dirty="0" err="1">
-                <a:solidFill>
-                  <a:schemeClr val="tx1"/>
-                </a:solidFill>
-                <a:latin typeface="Consolas" panose="020B0609020204030204" pitchFamily="49" charset="0"/>
-              </a:rPr>
-              <a:t>deletec</a:t>
-            </a:r>
-            <a:r>
               <a:rPr lang="en-SG" dirty="0">
                 <a:solidFill>
                   <a:schemeClr val="tx1"/>
                 </a:solidFill>
                 <a:latin typeface="Consolas" panose="020B0609020204030204" pitchFamily="49" charset="0"/>
               </a:rPr>
-              <a:t> 5</a:t>
+              <a:t>delete 5</a:t>
             </a:r>
           </a:p>
         </p:txBody>
@@ -3522,8 +3513,8 @@
         </p:nvSpPr>
         <p:spPr>
           <a:xfrm>
-            <a:off x="7339797" y="3767607"/>
-            <a:ext cx="2611836" cy="369332"/>
+            <a:off x="7448062" y="3853872"/>
+            <a:ext cx="2463069" cy="365972"/>
           </a:xfrm>
           <a:prstGeom prst="rect">
             <a:avLst/>
@@ -3568,8 +3559,8 @@
         </p:nvSpPr>
         <p:spPr>
           <a:xfrm>
-            <a:off x="9685061" y="3745524"/>
-            <a:ext cx="2606598" cy="369332"/>
+            <a:off x="10031137" y="3850512"/>
+            <a:ext cx="2458129" cy="369332"/>
           </a:xfrm>
           <a:prstGeom prst="rect">
             <a:avLst/>
@@ -3615,14 +3606,14 @@
           <p:nvPr>
             <p:extLst>
               <p:ext uri="{D42A27DB-BD31-4B8C-83A1-F6EECF244321}">
-                <p14:modId xmlns:p14="http://schemas.microsoft.com/office/powerpoint/2010/main" val="3370002772"/>
+                <p14:modId xmlns:p14="http://schemas.microsoft.com/office/powerpoint/2010/main" val="1392897267"/>
               </p:ext>
             </p:extLst>
           </p:nvPr>
         </p:nvGraphicFramePr>
         <p:xfrm>
-          <a:off x="7561573" y="2627356"/>
-          <a:ext cx="2171325" cy="977668"/>
+          <a:off x="7381910" y="2736538"/>
+          <a:ext cx="2433209" cy="1005840"/>
         </p:xfrm>
         <a:graphic>
           <a:graphicData uri="http://schemas.openxmlformats.org/drawingml/2006/table">
@@ -3631,7 +3622,7 @@
                 <a:tableStyleId>{306799F8-075E-4A3A-A7F6-7FBC6576F1A4}</a:tableStyleId>
               </a:tblPr>
               <a:tblGrid>
-                <a:gridCol w="2171325">
+                <a:gridCol w="2433209">
                   <a:extLst>
                     <a:ext uri="{9D8B030D-6E8A-4147-A177-3AD203B41FA5}">
                       <a16:colId xmlns:a16="http://schemas.microsoft.com/office/drawing/2014/main" val="4240773277"/>
@@ -3639,21 +3630,21 @@
                   </a:extLst>
                 </a:gridCol>
               </a:tblGrid>
-              <a:tr h="355516">
+              <a:tr h="326391">
                 <a:tc>
                   <a:txBody>
                     <a:bodyPr/>
                     <a:lstStyle/>
                     <a:p>
                       <a:r>
-                        <a:rPr lang="en-SG" sz="1600" u="sng" dirty="0"/>
+                        <a:rPr lang="en-SG" u="sng" dirty="0"/>
                         <a:t>:</a:t>
                       </a:r>
                       <a:r>
-                        <a:rPr lang="en-SG" sz="1600" u="sng" dirty="0" err="1"/>
+                        <a:rPr lang="en-SG" u="sng" dirty="0" err="1"/>
                         <a:t>DeleteCardCommand</a:t>
                       </a:r>
-                      <a:endParaRPr lang="en-SG" sz="1600" u="sng" dirty="0"/>
+                      <a:endParaRPr lang="en-SG" u="sng" dirty="0"/>
                     </a:p>
                   </a:txBody>
                   <a:tcPr/>
@@ -3664,28 +3655,28 @@
                   </a:ext>
                 </a:extLst>
               </a:tr>
-              <a:tr h="622152">
+              <a:tr h="326391">
                 <a:tc>
                   <a:txBody>
                     <a:bodyPr/>
                     <a:lstStyle/>
                     <a:p>
                       <a:r>
-                        <a:rPr lang="en-SG" sz="1600" dirty="0" err="1"/>
+                        <a:rPr lang="en-SG" dirty="0" err="1"/>
                         <a:t>targetIndex</a:t>
                       </a:r>
                       <a:r>
-                        <a:rPr lang="en-SG" sz="1600" dirty="0"/>
+                        <a:rPr lang="en-SG" dirty="0"/>
                         <a:t> = 5</a:t>
                       </a:r>
                     </a:p>
                     <a:p>
                       <a:r>
-                        <a:rPr lang="en-SG" sz="1600" dirty="0" err="1"/>
+                        <a:rPr lang="en-SG" dirty="0" err="1"/>
                         <a:t>prevCardBank</a:t>
                       </a:r>
                       <a:r>
-                        <a:rPr lang="en-SG" sz="1600" dirty="0"/>
+                        <a:rPr lang="en-SG" dirty="0"/>
                         <a:t> = s3</a:t>
                       </a:r>
                     </a:p>
@@ -3710,8 +3701,8 @@
         </p:nvSpPr>
         <p:spPr>
           <a:xfrm>
-            <a:off x="7517588" y="2429301"/>
-            <a:ext cx="2256255" cy="1338306"/>
+            <a:off x="7296981" y="2499919"/>
+            <a:ext cx="2621293" cy="1376870"/>
           </a:xfrm>
           <a:custGeom>
             <a:avLst/>
@@ -3802,8 +3793,8 @@
         </p:nvSpPr>
         <p:spPr>
           <a:xfrm>
-            <a:off x="9866608" y="2429301"/>
-            <a:ext cx="2243505" cy="1338306"/>
+            <a:off x="10006092" y="2499919"/>
+            <a:ext cx="2621293" cy="1376870"/>
           </a:xfrm>
           <a:custGeom>
             <a:avLst/>
@@ -3894,8 +3885,8 @@
         </p:nvSpPr>
         <p:spPr>
           <a:xfrm>
-            <a:off x="2396457" y="2429301"/>
-            <a:ext cx="2282541" cy="1338306"/>
+            <a:off x="2493090" y="2499919"/>
+            <a:ext cx="2621293" cy="1376870"/>
           </a:xfrm>
           <a:custGeom>
             <a:avLst/>
@@ -3986,8 +3977,8 @@
         </p:nvSpPr>
         <p:spPr>
           <a:xfrm>
-            <a:off x="54591" y="2429301"/>
-            <a:ext cx="2238233" cy="1338306"/>
+            <a:off x="-220607" y="2499919"/>
+            <a:ext cx="2621293" cy="1376870"/>
           </a:xfrm>
           <a:custGeom>
             <a:avLst/>
